--- a/TechT 06.09.2019 - Node js.pptx
+++ b/TechT 06.09.2019 - Node js.pptx
@@ -121,10 +121,21 @@
   </p:defaultTextStyle>
   <p:extLst>
     <p:ext uri="{EFAFB233-063F-42B5-8137-9DF3F51BA10A}">
-      <p15:sldGuideLst xmlns:p15="http://schemas.microsoft.com/office/powerpoint/2012/main" xmlns=""/>
+      <p15:sldGuideLst xmlns:p15="http://schemas.microsoft.com/office/powerpoint/2012/main">
+        <p15:guide id="1" orient="horz" pos="1620">
+          <p15:clr>
+            <a:srgbClr val="A4A3A4"/>
+          </p15:clr>
+        </p15:guide>
+        <p15:guide id="2" pos="2880">
+          <p15:clr>
+            <a:srgbClr val="A4A3A4"/>
+          </p15:clr>
+        </p15:guide>
+      </p15:sldGuideLst>
     </p:ext>
     <p:ext uri="{2D200454-40CA-4A62-9FC3-DE9A4176ACB9}">
-      <p15:notesGuideLst xmlns:p15="http://schemas.microsoft.com/office/powerpoint/2012/main" xmlns=""/>
+      <p15:notesGuideLst xmlns:p15="http://schemas.microsoft.com/office/powerpoint/2012/main"/>
     </p:ext>
   </p:extLst>
 </p:presentation>
@@ -212,7 +223,7 @@
           <a:p>
             <a:fld id="{C8357B60-EAD3-44E3-A0DB-3C028CDA1D37}" type="datetimeFigureOut">
               <a:rPr lang="en-GB" sz="1000" smtClean="0"/>
-              <a:t>05/09/2019</a:t>
+              <a:t>06/09/2019</a:t>
             </a:fld>
             <a:endParaRPr lang="en-GB" sz="1000"/>
           </a:p>
@@ -378,7 +389,7 @@
             <a:fld id="{947A3C83-8C02-4DA2-BA50-24B53D6F9078}" type="datetimeFigureOut">
               <a:rPr lang="en-GB" smtClean="0"/>
               <a:pPr/>
-              <a:t>05/09/2019</a:t>
+              <a:t>06/09/2019</a:t>
             </a:fld>
             <a:endParaRPr lang="en-GB"/>
           </a:p>
@@ -863,7 +874,7 @@
                 <a:latin typeface="Arial" panose="020B0604020202020204" pitchFamily="34" charset="0"/>
               </a:rPr>
               <a:pPr/>
-              <a:t>5-9-2019</a:t>
+              <a:t>6-9-2019</a:t>
             </a:fld>
             <a:endParaRPr lang="nl-NL" altLang="nl-NL" sz="1200">
               <a:solidFill>
@@ -1084,7 +1095,7 @@
           <a:bodyPr/>
           <a:lstStyle/>
           <a:p>
-            <a:endParaRPr lang="en-US" sz="1200" b="0" i="0" kern="1200" dirty="0" smtClean="0">
+            <a:endParaRPr lang="en-US" sz="1200" b="0" i="0" kern="1200" dirty="0">
               <a:solidFill>
                 <a:schemeClr val="tx1"/>
               </a:solidFill>
@@ -1606,7 +1617,7 @@
           <a:lstStyle/>
           <a:p>
             <a:r>
-              <a:rPr lang="en-US" sz="1200" kern="1200" dirty="0" smtClean="0">
+              <a:rPr lang="en-US" sz="1200" kern="1200" dirty="0">
                 <a:solidFill>
                   <a:schemeClr val="tx1"/>
                 </a:solidFill>
@@ -1618,7 +1629,7 @@
               <a:t>Every </a:t>
             </a:r>
             <a:r>
-              <a:rPr lang="en-US" sz="1200" kern="1200" dirty="0" err="1" smtClean="0">
+              <a:rPr lang="en-US" sz="1200" kern="1200" dirty="0" err="1">
                 <a:solidFill>
                   <a:schemeClr val="tx1"/>
                 </a:solidFill>
@@ -1630,7 +1641,7 @@
               <a:t>node_module</a:t>
             </a:r>
             <a:r>
-              <a:rPr lang="en-US" sz="1200" kern="1200" dirty="0" smtClean="0">
+              <a:rPr lang="en-US" sz="1200" kern="1200" dirty="0">
                 <a:solidFill>
                   <a:schemeClr val="tx1"/>
                 </a:solidFill>
@@ -1642,7 +1653,7 @@
               <a:t> has a </a:t>
             </a:r>
             <a:r>
-              <a:rPr lang="en-US" sz="1200" kern="1200" dirty="0" err="1" smtClean="0">
+              <a:rPr lang="en-US" sz="1200" kern="1200" dirty="0" err="1">
                 <a:solidFill>
                   <a:schemeClr val="tx1"/>
                 </a:solidFill>
@@ -1654,7 +1665,7 @@
               <a:t>package.json</a:t>
             </a:r>
             <a:r>
-              <a:rPr lang="en-US" sz="1200" kern="1200" dirty="0" smtClean="0">
+              <a:rPr lang="en-US" sz="1200" kern="1200" dirty="0">
                 <a:solidFill>
                   <a:schemeClr val="tx1"/>
                 </a:solidFill>
@@ -1753,7 +1764,7 @@
           <a:lstStyle/>
           <a:p>
             <a:r>
-              <a:rPr lang="en-US" sz="1200" kern="1200" dirty="0" smtClean="0">
+              <a:rPr lang="en-US" sz="1200" kern="1200" dirty="0">
                 <a:solidFill>
                   <a:schemeClr val="tx1"/>
                 </a:solidFill>
@@ -1765,7 +1776,7 @@
               <a:t>Every </a:t>
             </a:r>
             <a:r>
-              <a:rPr lang="en-US" sz="1200" kern="1200" dirty="0" err="1" smtClean="0">
+              <a:rPr lang="en-US" sz="1200" kern="1200" dirty="0" err="1">
                 <a:solidFill>
                   <a:schemeClr val="tx1"/>
                 </a:solidFill>
@@ -1777,7 +1788,7 @@
               <a:t>node_module</a:t>
             </a:r>
             <a:r>
-              <a:rPr lang="en-US" sz="1200" kern="1200" dirty="0" smtClean="0">
+              <a:rPr lang="en-US" sz="1200" kern="1200" dirty="0">
                 <a:solidFill>
                   <a:schemeClr val="tx1"/>
                 </a:solidFill>
@@ -1789,7 +1800,7 @@
               <a:t> has a </a:t>
             </a:r>
             <a:r>
-              <a:rPr lang="en-US" sz="1200" kern="1200" dirty="0" err="1" smtClean="0">
+              <a:rPr lang="en-US" sz="1200" kern="1200" dirty="0" err="1">
                 <a:solidFill>
                   <a:schemeClr val="tx1"/>
                 </a:solidFill>
@@ -1801,7 +1812,7 @@
               <a:t>package.json</a:t>
             </a:r>
             <a:r>
-              <a:rPr lang="en-US" sz="1200" kern="1200" smtClean="0">
+              <a:rPr lang="en-US" sz="1200" kern="1200">
                 <a:solidFill>
                   <a:schemeClr val="tx1"/>
                 </a:solidFill>
@@ -1900,7 +1911,7 @@
           <a:lstStyle/>
           <a:p>
             <a:r>
-              <a:rPr lang="en-US" sz="1200" kern="1200" dirty="0" smtClean="0">
+              <a:rPr lang="en-US" sz="1200" kern="1200" dirty="0">
                 <a:solidFill>
                   <a:schemeClr val="tx1"/>
                 </a:solidFill>
@@ -1912,7 +1923,7 @@
               <a:t>Every </a:t>
             </a:r>
             <a:r>
-              <a:rPr lang="en-US" sz="1200" kern="1200" dirty="0" err="1" smtClean="0">
+              <a:rPr lang="en-US" sz="1200" kern="1200" dirty="0" err="1">
                 <a:solidFill>
                   <a:schemeClr val="tx1"/>
                 </a:solidFill>
@@ -1924,7 +1935,7 @@
               <a:t>node_module</a:t>
             </a:r>
             <a:r>
-              <a:rPr lang="en-US" sz="1200" kern="1200" dirty="0" smtClean="0">
+              <a:rPr lang="en-US" sz="1200" kern="1200" dirty="0">
                 <a:solidFill>
                   <a:schemeClr val="tx1"/>
                 </a:solidFill>
@@ -1936,7 +1947,7 @@
               <a:t> has a </a:t>
             </a:r>
             <a:r>
-              <a:rPr lang="en-US" sz="1200" kern="1200" dirty="0" err="1" smtClean="0">
+              <a:rPr lang="en-US" sz="1200" kern="1200" dirty="0" err="1">
                 <a:solidFill>
                   <a:schemeClr val="tx1"/>
                 </a:solidFill>
@@ -1948,7 +1959,7 @@
               <a:t>package.json</a:t>
             </a:r>
             <a:r>
-              <a:rPr lang="en-US" sz="1200" kern="1200" smtClean="0">
+              <a:rPr lang="en-US" sz="1200" kern="1200">
                 <a:solidFill>
                   <a:schemeClr val="tx1"/>
                 </a:solidFill>
@@ -2325,7 +2336,7 @@
           <a:lstStyle/>
           <a:p>
             <a:r>
-              <a:rPr lang="nl-NL" smtClean="0"/>
+              <a:rPr lang="nl-NL"/>
               <a:t>Me: amith.shivantha@conxillium.com | 15-02-2019</a:t>
             </a:r>
             <a:endParaRPr lang="nl-NL" dirty="0"/>
@@ -2549,7 +2560,7 @@
           <a:lstStyle/>
           <a:p>
             <a:r>
-              <a:rPr lang="nl-NL" smtClean="0"/>
+              <a:rPr lang="nl-NL"/>
               <a:t>Me: amith.shivantha@conxillium.com | 15-02-2019</a:t>
             </a:r>
             <a:endParaRPr lang="nl-NL" dirty="0"/>
@@ -2959,7 +2970,7 @@
           <a:lstStyle/>
           <a:p>
             <a:r>
-              <a:rPr lang="nl-NL" smtClean="0"/>
+              <a:rPr lang="nl-NL"/>
               <a:t>Me: amith.shivantha@conxillium.com | 15-02-2019</a:t>
             </a:r>
             <a:endParaRPr lang="nl-NL" dirty="0"/>
@@ -3345,7 +3356,7 @@
           <a:lstStyle/>
           <a:p>
             <a:r>
-              <a:rPr lang="nl-NL" smtClean="0"/>
+              <a:rPr lang="nl-NL"/>
               <a:t>Me: amith.shivantha@conxillium.com | 15-02-2019</a:t>
             </a:r>
             <a:endParaRPr lang="nl-NL" dirty="0"/>
@@ -3590,7 +3601,7 @@
           <a:lstStyle/>
           <a:p>
             <a:r>
-              <a:rPr lang="nl-NL" smtClean="0"/>
+              <a:rPr lang="nl-NL"/>
               <a:t>Me: amith.shivantha@conxillium.com | 15-02-2019</a:t>
             </a:r>
             <a:endParaRPr lang="nl-NL" dirty="0"/>
@@ -4006,7 +4017,7 @@
           <a:lstStyle/>
           <a:p>
             <a:r>
-              <a:rPr lang="nl-NL" smtClean="0"/>
+              <a:rPr lang="nl-NL"/>
               <a:t>Me: amith.shivantha@conxillium.com | 15-02-2019</a:t>
             </a:r>
             <a:endParaRPr lang="nl-NL" dirty="0"/>
@@ -4155,7 +4166,7 @@
           <a:lstStyle/>
           <a:p>
             <a:r>
-              <a:rPr lang="nl-NL" smtClean="0"/>
+              <a:rPr lang="nl-NL"/>
               <a:t>Me: amith.shivantha@conxillium.com | 15-02-2019</a:t>
             </a:r>
             <a:endParaRPr lang="nl-NL" dirty="0"/>
@@ -4357,10 +4368,9 @@
           <a:lstStyle/>
           <a:p>
             <a:r>
-              <a:rPr lang="en-US" smtClean="0"/>
+              <a:rPr lang="en-US"/>
               <a:t>2/15/2019</a:t>
             </a:r>
-            <a:endParaRPr lang="en-US"/>
           </a:p>
         </p:txBody>
       </p:sp>
@@ -4380,10 +4390,9 @@
           <a:lstStyle/>
           <a:p>
             <a:r>
-              <a:rPr lang="en-US" smtClean="0"/>
+              <a:rPr lang="en-US"/>
               <a:t>Me: amith.shivantha@conxillium.com | 15-02-2019</a:t>
             </a:r>
-            <a:endParaRPr lang="en-US"/>
           </a:p>
         </p:txBody>
       </p:sp>
@@ -4555,7 +4564,7 @@
           </a:lstStyle>
           <a:p>
             <a:r>
-              <a:rPr lang="en-GB" smtClean="0"/>
+              <a:rPr lang="en-GB"/>
               <a:t>Me: amith.shivantha@conxillium.com | 15-02-2019</a:t>
             </a:r>
             <a:endParaRPr lang="en-GB" dirty="0"/>
@@ -5079,9 +5088,9 @@
       </a:lvl9pPr>
     </p:otherStyle>
   </p:txStyles>
-  <p:extLst mod="1">
+  <p:extLst>
     <p:ext uri="{27BBF7A9-308A-43DC-89C8-2F10F3537804}">
-      <p15:sldGuideLst xmlns:p15="http://schemas.microsoft.com/office/powerpoint/2012/main" xmlns="">
+      <p15:sldGuideLst xmlns:p15="http://schemas.microsoft.com/office/powerpoint/2012/main">
         <p15:guide id="1" orient="horz" pos="1263" userDrawn="1">
           <p15:clr>
             <a:srgbClr val="F26B43"/>
@@ -5159,13 +5168,6 @@
   <p:clrMapOvr>
     <a:masterClrMapping/>
   </p:clrMapOvr>
-  <p:timing>
-    <p:tnLst>
-      <p:par>
-        <p:cTn id="1" dur="indefinite" restart="never" nodeType="tmRoot"/>
-      </p:par>
-    </p:tnLst>
-  </p:timing>
 </p:sld>
 </file>
 
@@ -5191,7 +5193,7 @@
           <p:cNvPr id="2" name="Titel 1">
             <a:extLst>
               <a:ext uri="{FF2B5EF4-FFF2-40B4-BE49-F238E27FC236}">
-                <a16:creationId xmlns:a16="http://schemas.microsoft.com/office/drawing/2014/main" xmlns="" id="{2D77E40B-7818-4A2C-893A-93331019C550}"/>
+                <a16:creationId xmlns:a16="http://schemas.microsoft.com/office/drawing/2014/main" id="{2D77E40B-7818-4A2C-893A-93331019C550}"/>
               </a:ext>
             </a:extLst>
           </p:cNvPr>
@@ -5208,7 +5210,7 @@
           <a:lstStyle/>
           <a:p>
             <a:r>
-              <a:rPr lang="en-US" dirty="0" smtClean="0"/>
+              <a:rPr lang="en-US" dirty="0"/>
               <a:t>Note</a:t>
             </a:r>
             <a:endParaRPr lang="nl-NL" dirty="0"/>
@@ -5220,7 +5222,7 @@
           <p:cNvPr id="3" name="Tijdelijke aanduiding voor inhoud 2">
             <a:extLst>
               <a:ext uri="{FF2B5EF4-FFF2-40B4-BE49-F238E27FC236}">
-                <a16:creationId xmlns:a16="http://schemas.microsoft.com/office/drawing/2014/main" xmlns="" id="{191D0443-06DF-4242-A1FC-F7DB314A3EA8}"/>
+                <a16:creationId xmlns:a16="http://schemas.microsoft.com/office/drawing/2014/main" id="{191D0443-06DF-4242-A1FC-F7DB314A3EA8}"/>
               </a:ext>
             </a:extLst>
           </p:cNvPr>
@@ -5247,21 +5249,35 @@
               <a:buNone/>
             </a:pPr>
             <a:r>
-              <a:rPr lang="nl-NL" sz="1200" dirty="0" smtClean="0">
+              <a:rPr lang="nl-NL" sz="1200" dirty="0">
                 <a:latin typeface="Segoe UI Emoji" panose="020B0502040204020203" pitchFamily="34" charset="0"/>
                 <a:ea typeface="Segoe UI Emoji" panose="020B0502040204020203" pitchFamily="34" charset="0"/>
               </a:rPr>
-              <a:t>Node js is well matuared. Can build anything.. Search You fill find them... </a:t>
-            </a:r>
-            <a:r>
-              <a:rPr lang="nl-NL" sz="1200" dirty="0" smtClean="0">
+              <a:t>Node js is well matured. Can build anything.. Search </a:t>
+            </a:r>
+            <a:r>
+              <a:rPr lang="nl-NL" sz="1200">
+                <a:latin typeface="Segoe UI Emoji" panose="020B0502040204020203" pitchFamily="34" charset="0"/>
+                <a:ea typeface="Segoe UI Emoji" panose="020B0502040204020203" pitchFamily="34" charset="0"/>
+              </a:rPr>
+              <a:t>You will </a:t>
+            </a:r>
+            <a:r>
+              <a:rPr lang="nl-NL" sz="1200" dirty="0">
+                <a:latin typeface="Segoe UI Emoji" panose="020B0502040204020203" pitchFamily="34" charset="0"/>
+                <a:ea typeface="Segoe UI Emoji" panose="020B0502040204020203" pitchFamily="34" charset="0"/>
+              </a:rPr>
+              <a:t>find them... </a:t>
+            </a:r>
+            <a:r>
+              <a:rPr lang="nl-NL" sz="1200" dirty="0">
                 <a:latin typeface="Segoe UI Emoji" panose="020B0502040204020203" pitchFamily="34" charset="0"/>
                 <a:ea typeface="Segoe UI Emoji" panose="020B0502040204020203" pitchFamily="34" charset="0"/>
                 <a:sym typeface="Wingdings" panose="05000000000000000000" pitchFamily="2" charset="2"/>
               </a:rPr>
               <a:t></a:t>
             </a:r>
-            <a:endParaRPr lang="nl-NL" sz="1200" dirty="0" smtClean="0">
+            <a:endParaRPr lang="nl-NL" sz="1200" dirty="0">
               <a:latin typeface="Segoe UI Emoji" panose="020B0502040204020203" pitchFamily="34" charset="0"/>
               <a:ea typeface="Segoe UI Emoji" panose="020B0502040204020203" pitchFamily="34" charset="0"/>
             </a:endParaRPr>
@@ -5282,7 +5298,7 @@
           <p:cNvPr id="4" name="Tijdelijke aanduiding voor dianummer 3">
             <a:extLst>
               <a:ext uri="{FF2B5EF4-FFF2-40B4-BE49-F238E27FC236}">
-                <a16:creationId xmlns:a16="http://schemas.microsoft.com/office/drawing/2014/main" xmlns="" id="{24D0B6C7-03E3-4C6C-84FE-6051096C803C}"/>
+                <a16:creationId xmlns:a16="http://schemas.microsoft.com/office/drawing/2014/main" id="{24D0B6C7-03E3-4C6C-84FE-6051096C803C}"/>
               </a:ext>
             </a:extLst>
           </p:cNvPr>
@@ -5322,10 +5338,9 @@
           <a:lstStyle/>
           <a:p>
             <a:r>
-              <a:rPr lang="en-US" smtClean="0"/>
+              <a:rPr lang="en-US"/>
               <a:t>Me: amith.shivantha@conxillium.com | 15-02-2019</a:t>
             </a:r>
-            <a:endParaRPr lang="en-US"/>
           </a:p>
         </p:txBody>
       </p:sp>
@@ -5334,7 +5349,7 @@
           <p:cNvPr id="7" name="Tijdelijke aanduiding voor inhoud 2">
             <a:extLst>
               <a:ext uri="{FF2B5EF4-FFF2-40B4-BE49-F238E27FC236}">
-                <a16:creationId xmlns:a16="http://schemas.microsoft.com/office/drawing/2014/main" xmlns="" id="{191D0443-06DF-4242-A1FC-F7DB314A3EA8}"/>
+                <a16:creationId xmlns:a16="http://schemas.microsoft.com/office/drawing/2014/main" id="{191D0443-06DF-4242-A1FC-F7DB314A3EA8}"/>
               </a:ext>
             </a:extLst>
           </p:cNvPr>
@@ -5530,26 +5545,16 @@
               <a:buNone/>
             </a:pPr>
             <a:r>
-              <a:rPr lang="nl-NL" sz="2800" b="1" dirty="0" smtClean="0">
+              <a:rPr lang="nl-NL" sz="2800" b="1" dirty="0">
                 <a:solidFill>
                   <a:srgbClr val="7030A0"/>
                 </a:solidFill>
                 <a:latin typeface="Segoe UI Emoji" panose="020B0502040204020203" pitchFamily="34" charset="0"/>
                 <a:ea typeface="Segoe UI Emoji" panose="020B0502040204020203" pitchFamily="34" charset="0"/>
               </a:rPr>
-              <a:t>Thank </a:t>
-            </a:r>
-            <a:r>
-              <a:rPr lang="nl-NL" sz="2800" b="1" dirty="0" smtClean="0">
-                <a:solidFill>
-                  <a:srgbClr val="7030A0"/>
-                </a:solidFill>
-                <a:latin typeface="Segoe UI Emoji" panose="020B0502040204020203" pitchFamily="34" charset="0"/>
-                <a:ea typeface="Segoe UI Emoji" panose="020B0502040204020203" pitchFamily="34" charset="0"/>
-              </a:rPr>
-              <a:t>You</a:t>
-            </a:r>
-            <a:endParaRPr lang="nl-NL" sz="2800" dirty="0" smtClean="0">
+              <a:t>Thank You</a:t>
+            </a:r>
+            <a:endParaRPr lang="nl-NL" sz="2800" dirty="0">
               <a:solidFill>
                 <a:srgbClr val="7030A0"/>
               </a:solidFill>
@@ -5839,13 +5844,6 @@
   <p:clrMapOvr>
     <a:masterClrMapping/>
   </p:clrMapOvr>
-  <p:timing>
-    <p:tnLst>
-      <p:par>
-        <p:cTn id="1" dur="indefinite" restart="never" nodeType="tmRoot"/>
-      </p:par>
-    </p:tnLst>
-  </p:timing>
 </p:sld>
 </file>
 
@@ -5887,16 +5885,12 @@
           <a:lstStyle/>
           <a:p>
             <a:r>
-              <a:rPr lang="en-US" sz="2800" b="1" dirty="0" smtClean="0">
+              <a:rPr lang="en-US" sz="2800" b="1" dirty="0">
                 <a:latin typeface="Segoe UI Emoji" panose="020B0502040204020203" pitchFamily="34" charset="0"/>
                 <a:ea typeface="Segoe UI Emoji" panose="020B0502040204020203" pitchFamily="34" charset="0"/>
               </a:rPr>
               <a:t>Node JS</a:t>
             </a:r>
-            <a:endParaRPr lang="en-US" sz="2800" b="1" dirty="0">
-              <a:latin typeface="Segoe UI Emoji" panose="020B0502040204020203" pitchFamily="34" charset="0"/>
-              <a:ea typeface="Segoe UI Emoji" panose="020B0502040204020203" pitchFamily="34" charset="0"/>
-            </a:endParaRPr>
           </a:p>
         </p:txBody>
       </p:sp>
@@ -5924,7 +5918,7 @@
               <a:buNone/>
             </a:pPr>
             <a:r>
-              <a:rPr lang="en-GB" altLang="nl-NL" sz="1800" dirty="0" smtClean="0">
+              <a:rPr lang="en-GB" altLang="nl-NL" sz="1800" dirty="0">
                 <a:solidFill>
                   <a:srgbClr val="C00000"/>
                 </a:solidFill>
@@ -5939,7 +5933,7 @@
             <a:pPr marL="0" indent="0">
               <a:buNone/>
             </a:pPr>
-            <a:endParaRPr lang="en-GB" altLang="nl-NL" sz="1800" dirty="0" smtClean="0">
+            <a:endParaRPr lang="en-GB" altLang="nl-NL" sz="1800" dirty="0">
               <a:solidFill>
                 <a:schemeClr val="tx1"/>
               </a:solidFill>
@@ -5954,7 +5948,7 @@
               <a:buChar char="q"/>
             </a:pPr>
             <a:r>
-              <a:rPr lang="en-GB" altLang="nl-NL" sz="1400" dirty="0" smtClean="0">
+              <a:rPr lang="en-GB" altLang="nl-NL" sz="1400" dirty="0">
                 <a:solidFill>
                   <a:schemeClr val="tx1"/>
                 </a:solidFill>
@@ -5964,14 +5958,6 @@
               </a:rPr>
               <a:t>Node.js</a:t>
             </a:r>
-            <a:endParaRPr lang="en-GB" altLang="nl-NL" sz="1400" dirty="0" smtClean="0">
-              <a:solidFill>
-                <a:schemeClr val="tx1"/>
-              </a:solidFill>
-              <a:latin typeface="Segoe UI Semibold" panose="020B0702040204020203" pitchFamily="34" charset="0"/>
-              <a:ea typeface="Segoe UI Black" panose="020B0A02040204020203" pitchFamily="34" charset="0"/>
-              <a:cs typeface="Segoe UI Semibold" panose="020B0702040204020203" pitchFamily="34" charset="0"/>
-            </a:endParaRPr>
           </a:p>
           <a:p>
             <a:pPr>
@@ -5979,7 +5965,7 @@
               <a:buChar char="q"/>
             </a:pPr>
             <a:r>
-              <a:rPr lang="en-GB" altLang="nl-NL" sz="1400" dirty="0" smtClean="0">
+              <a:rPr lang="en-GB" altLang="nl-NL" sz="1400" dirty="0">
                 <a:solidFill>
                   <a:schemeClr val="tx1"/>
                 </a:solidFill>
@@ -5996,7 +5982,7 @@
               <a:buChar char="q"/>
             </a:pPr>
             <a:r>
-              <a:rPr lang="en-GB" altLang="nl-NL" sz="1400" dirty="0" smtClean="0">
+              <a:rPr lang="en-GB" altLang="nl-NL" sz="1400" dirty="0">
                 <a:solidFill>
                   <a:schemeClr val="tx1"/>
                 </a:solidFill>
@@ -6013,7 +5999,7 @@
               <a:buChar char="q"/>
             </a:pPr>
             <a:r>
-              <a:rPr lang="en-GB" altLang="nl-NL" sz="1400" dirty="0" smtClean="0">
+              <a:rPr lang="en-GB" altLang="nl-NL" sz="1400" dirty="0">
                 <a:solidFill>
                   <a:schemeClr val="tx1"/>
                 </a:solidFill>
@@ -6024,7 +6010,7 @@
               <a:t>Use of </a:t>
             </a:r>
             <a:r>
-              <a:rPr lang="en-GB" altLang="nl-NL" sz="1400" dirty="0" err="1" smtClean="0">
+              <a:rPr lang="en-GB" altLang="nl-NL" sz="1400" dirty="0" err="1">
                 <a:solidFill>
                   <a:schemeClr val="tx1"/>
                 </a:solidFill>
@@ -6034,42 +6020,6 @@
               </a:rPr>
               <a:t>Package.json</a:t>
             </a:r>
-            <a:endParaRPr lang="en-GB" altLang="nl-NL" sz="1400" dirty="0" smtClean="0">
-              <a:solidFill>
-                <a:schemeClr val="tx1"/>
-              </a:solidFill>
-              <a:latin typeface="Segoe UI Semibold" panose="020B0702040204020203" pitchFamily="34" charset="0"/>
-              <a:ea typeface="Segoe UI Black" panose="020B0A02040204020203" pitchFamily="34" charset="0"/>
-              <a:cs typeface="Segoe UI Semibold" panose="020B0702040204020203" pitchFamily="34" charset="0"/>
-            </a:endParaRPr>
-          </a:p>
-          <a:p>
-            <a:pPr>
-              <a:buFont typeface="Wingdings" panose="05000000000000000000" pitchFamily="2" charset="2"/>
-              <a:buChar char="q"/>
-            </a:pPr>
-            <a:r>
-              <a:rPr lang="en-GB" altLang="nl-NL" sz="1400" dirty="0" smtClean="0">
-                <a:solidFill>
-                  <a:schemeClr val="tx1"/>
-                </a:solidFill>
-                <a:latin typeface="Segoe UI Semibold" panose="020B0702040204020203" pitchFamily="34" charset="0"/>
-                <a:ea typeface="Segoe UI Black" panose="020B0A02040204020203" pitchFamily="34" charset="0"/>
-                <a:cs typeface="Segoe UI Semibold" panose="020B0702040204020203" pitchFamily="34" charset="0"/>
-              </a:rPr>
-              <a:t>Simple REST API with </a:t>
-            </a:r>
-            <a:r>
-              <a:rPr lang="en-GB" altLang="nl-NL" sz="1400" dirty="0" smtClean="0">
-                <a:solidFill>
-                  <a:schemeClr val="tx1"/>
-                </a:solidFill>
-                <a:latin typeface="Segoe UI Semibold" panose="020B0702040204020203" pitchFamily="34" charset="0"/>
-                <a:ea typeface="Segoe UI Black" panose="020B0A02040204020203" pitchFamily="34" charset="0"/>
-                <a:cs typeface="Segoe UI Semibold" panose="020B0702040204020203" pitchFamily="34" charset="0"/>
-              </a:rPr>
-              <a:t>node + Express</a:t>
-            </a:r>
             <a:endParaRPr lang="en-GB" altLang="nl-NL" sz="1400" dirty="0">
               <a:solidFill>
                 <a:schemeClr val="tx1"/>
@@ -6079,6 +6029,23 @@
               <a:cs typeface="Segoe UI Semibold" panose="020B0702040204020203" pitchFamily="34" charset="0"/>
             </a:endParaRPr>
           </a:p>
+          <a:p>
+            <a:pPr>
+              <a:buFont typeface="Wingdings" panose="05000000000000000000" pitchFamily="2" charset="2"/>
+              <a:buChar char="q"/>
+            </a:pPr>
+            <a:r>
+              <a:rPr lang="en-GB" altLang="nl-NL" sz="1400" dirty="0">
+                <a:solidFill>
+                  <a:schemeClr val="tx1"/>
+                </a:solidFill>
+                <a:latin typeface="Segoe UI Semibold" panose="020B0702040204020203" pitchFamily="34" charset="0"/>
+                <a:ea typeface="Segoe UI Black" panose="020B0A02040204020203" pitchFamily="34" charset="0"/>
+                <a:cs typeface="Segoe UI Semibold" panose="020B0702040204020203" pitchFamily="34" charset="0"/>
+              </a:rPr>
+              <a:t>Simple REST API with node + Express</a:t>
+            </a:r>
+          </a:p>
         </p:txBody>
       </p:sp>
       <p:sp>
@@ -6097,10 +6064,9 @@
           <a:lstStyle/>
           <a:p>
             <a:r>
-              <a:rPr lang="en-US" dirty="0" smtClean="0"/>
+              <a:rPr lang="en-US" dirty="0"/>
               <a:t>Me: amith.shivantha@conxillium.com | 06-09-2019</a:t>
             </a:r>
-            <a:endParaRPr lang="en-US" dirty="0"/>
           </a:p>
         </p:txBody>
       </p:sp>
@@ -6137,13 +6103,6 @@
   <p:clrMapOvr>
     <a:masterClrMapping/>
   </p:clrMapOvr>
-  <p:timing>
-    <p:tnLst>
-      <p:par>
-        <p:cTn id="1" dur="indefinite" restart="never" nodeType="tmRoot"/>
-      </p:par>
-    </p:tnLst>
-  </p:timing>
 </p:sld>
 </file>
 
@@ -6185,16 +6144,12 @@
           <a:lstStyle/>
           <a:p>
             <a:r>
-              <a:rPr lang="en-US" sz="2800" b="1" dirty="0" smtClean="0">
+              <a:rPr lang="en-US" sz="2800" b="1" dirty="0">
                 <a:latin typeface="Segoe UI Emoji" panose="020B0502040204020203" pitchFamily="34" charset="0"/>
                 <a:ea typeface="Segoe UI Emoji" panose="020B0502040204020203" pitchFamily="34" charset="0"/>
               </a:rPr>
               <a:t>Node JS – What is?</a:t>
             </a:r>
-            <a:endParaRPr lang="en-US" sz="2800" b="1" dirty="0">
-              <a:latin typeface="Segoe UI Emoji" panose="020B0502040204020203" pitchFamily="34" charset="0"/>
-              <a:ea typeface="Segoe UI Emoji" panose="020B0502040204020203" pitchFamily="34" charset="0"/>
-            </a:endParaRPr>
           </a:p>
         </p:txBody>
       </p:sp>
@@ -6236,56 +6191,21 @@
                 <a:latin typeface="Microsoft YaHei" panose="020B0503020204020204" pitchFamily="34" charset="-122"/>
                 <a:ea typeface="Microsoft YaHei" panose="020B0503020204020204" pitchFamily="34" charset="-122"/>
               </a:rPr>
-              <a:t>runtime </a:t>
-            </a:r>
-            <a:r>
-              <a:rPr lang="en-US" sz="1400" b="1" dirty="0" smtClean="0">
-                <a:latin typeface="Microsoft YaHei" panose="020B0503020204020204" pitchFamily="34" charset="-122"/>
-                <a:ea typeface="Microsoft YaHei" panose="020B0503020204020204" pitchFamily="34" charset="-122"/>
-              </a:rPr>
-              <a:t>environment</a:t>
+              <a:t>runtime environment</a:t>
             </a:r>
             <a:r>
               <a:rPr lang="en-US" sz="1400" dirty="0">
                 <a:latin typeface="Microsoft YaHei" panose="020B0503020204020204" pitchFamily="34" charset="-122"/>
                 <a:ea typeface="Microsoft YaHei" panose="020B0503020204020204" pitchFamily="34" charset="-122"/>
               </a:rPr>
-              <a:t> </a:t>
-            </a:r>
-            <a:r>
-              <a:rPr lang="en-US" sz="1400" dirty="0" smtClean="0">
-                <a:latin typeface="Microsoft YaHei" panose="020B0503020204020204" pitchFamily="34" charset="-122"/>
-                <a:ea typeface="Microsoft YaHei" panose="020B0503020204020204" pitchFamily="34" charset="-122"/>
-              </a:rPr>
-              <a:t>for </a:t>
-            </a:r>
-            <a:r>
-              <a:rPr lang="en-US" sz="1400" dirty="0">
-                <a:latin typeface="Microsoft YaHei" panose="020B0503020204020204" pitchFamily="34" charset="-122"/>
-                <a:ea typeface="Microsoft YaHei" panose="020B0503020204020204" pitchFamily="34" charset="-122"/>
-              </a:rPr>
-              <a:t>executing </a:t>
-            </a:r>
-            <a:r>
-              <a:rPr lang="en-US" sz="1400" dirty="0" smtClean="0">
-                <a:latin typeface="Microsoft YaHei" panose="020B0503020204020204" pitchFamily="34" charset="-122"/>
-                <a:ea typeface="Microsoft YaHei" panose="020B0503020204020204" pitchFamily="34" charset="-122"/>
-              </a:rPr>
-              <a:t>JavaScript </a:t>
-            </a:r>
-            <a:r>
-              <a:rPr lang="en-US" sz="1400" dirty="0">
-                <a:latin typeface="Microsoft YaHei" panose="020B0503020204020204" pitchFamily="34" charset="-122"/>
-                <a:ea typeface="Microsoft YaHei" panose="020B0503020204020204" pitchFamily="34" charset="-122"/>
-              </a:rPr>
-              <a:t>code.</a:t>
+              <a:t> for executing JavaScript code.</a:t>
             </a:r>
           </a:p>
           <a:p>
             <a:pPr marL="0" indent="0">
               <a:buNone/>
             </a:pPr>
-            <a:endParaRPr lang="en-GB" altLang="nl-NL" sz="1400" dirty="0" smtClean="0">
+            <a:endParaRPr lang="en-GB" altLang="nl-NL" sz="1400" dirty="0">
               <a:latin typeface="Microsoft YaHei" panose="020B0503020204020204" pitchFamily="34" charset="-122"/>
               <a:ea typeface="Microsoft YaHei" panose="020B0503020204020204" pitchFamily="34" charset="-122"/>
               <a:cs typeface="Segoe UI Semibold" panose="020B0702040204020203" pitchFamily="34" charset="0"/>
@@ -6299,7 +6219,7 @@
               <a:buNone/>
             </a:pPr>
             <a:r>
-              <a:rPr lang="en-GB" altLang="nl-NL" sz="1400" dirty="0" smtClean="0">
+              <a:rPr lang="en-GB" altLang="nl-NL" sz="1400" dirty="0">
                 <a:latin typeface="Microsoft YaHei" panose="020B0503020204020204" pitchFamily="34" charset="-122"/>
                 <a:ea typeface="Microsoft YaHei" panose="020B0503020204020204" pitchFamily="34" charset="-122"/>
                 <a:cs typeface="Segoe UI Semibold" panose="020B0702040204020203" pitchFamily="34" charset="0"/>
@@ -6320,15 +6240,7 @@
                 <a:ea typeface="Microsoft YaHei" panose="020B0503020204020204" pitchFamily="34" charset="-122"/>
                 <a:cs typeface="Segoe UI Semibold" panose="020B0702040204020203" pitchFamily="34" charset="0"/>
               </a:rPr>
-              <a:t>	</a:t>
-            </a:r>
-            <a:r>
-              <a:rPr lang="en-GB" altLang="nl-NL" sz="1400" dirty="0" smtClean="0">
-                <a:latin typeface="Microsoft YaHei" panose="020B0503020204020204" pitchFamily="34" charset="-122"/>
-                <a:ea typeface="Microsoft YaHei" panose="020B0503020204020204" pitchFamily="34" charset="-122"/>
-                <a:cs typeface="Segoe UI Semibold" panose="020B0702040204020203" pitchFamily="34" charset="0"/>
-              </a:rPr>
-              <a:t>2. Superfast and highly scalable</a:t>
+              <a:t>	2. Superfast and highly scalable</a:t>
             </a:r>
           </a:p>
           <a:p>
@@ -6339,7 +6251,7 @@
               <a:buNone/>
             </a:pPr>
             <a:r>
-              <a:rPr lang="en-GB" altLang="nl-NL" sz="1400" dirty="0" smtClean="0">
+              <a:rPr lang="en-GB" altLang="nl-NL" sz="1400" dirty="0">
                 <a:latin typeface="Microsoft YaHei" panose="020B0503020204020204" pitchFamily="34" charset="-122"/>
                 <a:ea typeface="Microsoft YaHei" panose="020B0503020204020204" pitchFamily="34" charset="-122"/>
                 <a:cs typeface="Segoe UI Semibold" panose="020B0702040204020203" pitchFamily="34" charset="0"/>
@@ -6360,21 +6272,8 @@
                 <a:ea typeface="Microsoft YaHei" panose="020B0503020204020204" pitchFamily="34" charset="-122"/>
                 <a:cs typeface="Segoe UI Semibold" panose="020B0702040204020203" pitchFamily="34" charset="0"/>
               </a:rPr>
-              <a:t>	</a:t>
-            </a:r>
-            <a:r>
-              <a:rPr lang="en-GB" altLang="nl-NL" sz="1400" dirty="0" smtClean="0">
-                <a:latin typeface="Microsoft YaHei" panose="020B0503020204020204" pitchFamily="34" charset="-122"/>
-                <a:ea typeface="Microsoft YaHei" panose="020B0503020204020204" pitchFamily="34" charset="-122"/>
-                <a:cs typeface="Segoe UI Semibold" panose="020B0702040204020203" pitchFamily="34" charset="0"/>
-              </a:rPr>
-              <a:t>4. large ecosystem of open-source libs (NPM)</a:t>
-            </a:r>
-            <a:endParaRPr lang="en-GB" altLang="nl-NL" sz="1400" dirty="0">
-              <a:latin typeface="Microsoft YaHei" panose="020B0503020204020204" pitchFamily="34" charset="-122"/>
-              <a:ea typeface="Microsoft YaHei" panose="020B0503020204020204" pitchFamily="34" charset="-122"/>
-              <a:cs typeface="Segoe UI Semibold" panose="020B0702040204020203" pitchFamily="34" charset="0"/>
-            </a:endParaRPr>
+              <a:t>	4. large ecosystem of open-source libs (NPM)</a:t>
+            </a:r>
           </a:p>
         </p:txBody>
       </p:sp>
@@ -6394,10 +6293,9 @@
           <a:lstStyle/>
           <a:p>
             <a:r>
-              <a:rPr lang="en-US" dirty="0" smtClean="0"/>
+              <a:rPr lang="en-US" dirty="0"/>
               <a:t>Me: amith.shivantha@conxillium.com | 06-09-2019</a:t>
             </a:r>
-            <a:endParaRPr lang="en-US" dirty="0"/>
           </a:p>
         </p:txBody>
       </p:sp>
@@ -6488,13 +6386,6 @@
   <p:clrMapOvr>
     <a:masterClrMapping/>
   </p:clrMapOvr>
-  <p:timing>
-    <p:tnLst>
-      <p:par>
-        <p:cTn id="1" dur="indefinite" restart="never" nodeType="tmRoot"/>
-      </p:par>
-    </p:tnLst>
-  </p:timing>
 </p:sld>
 </file>
 
@@ -6536,16 +6427,12 @@
           <a:lstStyle/>
           <a:p>
             <a:r>
-              <a:rPr lang="en-US" sz="2800" b="1" dirty="0" smtClean="0">
+              <a:rPr lang="en-US" sz="2800" b="1" dirty="0">
                 <a:latin typeface="Segoe UI Emoji" panose="020B0502040204020203" pitchFamily="34" charset="0"/>
                 <a:ea typeface="Segoe UI Emoji" panose="020B0502040204020203" pitchFamily="34" charset="0"/>
               </a:rPr>
               <a:t>Node JS – What is?</a:t>
             </a:r>
-            <a:endParaRPr lang="en-US" sz="2800" b="1" dirty="0">
-              <a:latin typeface="Segoe UI Emoji" panose="020B0502040204020203" pitchFamily="34" charset="0"/>
-              <a:ea typeface="Segoe UI Emoji" panose="020B0502040204020203" pitchFamily="34" charset="0"/>
-            </a:endParaRPr>
           </a:p>
         </p:txBody>
       </p:sp>
@@ -6583,28 +6470,7 @@
                 <a:latin typeface="Microsoft YaHei" panose="020B0503020204020204" pitchFamily="34" charset="-122"/>
                 <a:ea typeface="Microsoft YaHei" panose="020B0503020204020204" pitchFamily="34" charset="-122"/>
               </a:rPr>
-              <a:t>Node </a:t>
-            </a:r>
-            <a:r>
-              <a:rPr lang="en-US" sz="1400" dirty="0" smtClean="0">
-                <a:latin typeface="Microsoft YaHei" panose="020B0503020204020204" pitchFamily="34" charset="-122"/>
-                <a:ea typeface="Microsoft YaHei" panose="020B0503020204020204" pitchFamily="34" charset="-122"/>
-              </a:rPr>
-              <a:t>is a </a:t>
-            </a:r>
-            <a:r>
-              <a:rPr lang="en-US" sz="1400" dirty="0">
-                <a:latin typeface="Microsoft YaHei" panose="020B0503020204020204" pitchFamily="34" charset="-122"/>
-                <a:ea typeface="Microsoft YaHei" panose="020B0503020204020204" pitchFamily="34" charset="-122"/>
-              </a:rPr>
-              <a:t>C</a:t>
-            </a:r>
-            <a:r>
-              <a:rPr lang="en-US" sz="1400" dirty="0" smtClean="0">
-                <a:latin typeface="Microsoft YaHei" panose="020B0503020204020204" pitchFamily="34" charset="-122"/>
-                <a:ea typeface="Microsoft YaHei" panose="020B0503020204020204" pitchFamily="34" charset="-122"/>
-              </a:rPr>
-              <a:t>++ program which wraps chromes v8 JavaScript engine.</a:t>
+              <a:t>Node is a C++ program which wraps chromes v8 JavaScript engine.</a:t>
             </a:r>
           </a:p>
           <a:p>
@@ -6616,7 +6482,7 @@
               <a:buChar char="q"/>
             </a:pPr>
             <a:r>
-              <a:rPr lang="en-US" sz="1400" dirty="0" smtClean="0">
+              <a:rPr lang="en-US" sz="1400" dirty="0">
                 <a:latin typeface="Microsoft YaHei" panose="020B0503020204020204" pitchFamily="34" charset="-122"/>
                 <a:ea typeface="Microsoft YaHei" panose="020B0503020204020204" pitchFamily="34" charset="-122"/>
               </a:rPr>
@@ -6632,16 +6498,12 @@
               <a:buChar char="q"/>
             </a:pPr>
             <a:r>
-              <a:rPr lang="en-US" sz="1400" dirty="0" smtClean="0">
+              <a:rPr lang="en-US" sz="1400" dirty="0">
                 <a:latin typeface="Microsoft YaHei" panose="020B0503020204020204" pitchFamily="34" charset="-122"/>
                 <a:ea typeface="Microsoft YaHei" panose="020B0503020204020204" pitchFamily="34" charset="-122"/>
               </a:rPr>
               <a:t>Ideal for I/O intensive apps, not for CPU-intensive apps (video processing)</a:t>
             </a:r>
-            <a:endParaRPr lang="en-US" sz="1400" dirty="0">
-              <a:latin typeface="Microsoft YaHei" panose="020B0503020204020204" pitchFamily="34" charset="-122"/>
-              <a:ea typeface="Microsoft YaHei" panose="020B0503020204020204" pitchFamily="34" charset="-122"/>
-            </a:endParaRPr>
           </a:p>
         </p:txBody>
       </p:sp>
@@ -6661,10 +6523,9 @@
           <a:lstStyle/>
           <a:p>
             <a:r>
-              <a:rPr lang="en-US" dirty="0" smtClean="0"/>
+              <a:rPr lang="en-US" dirty="0"/>
               <a:t>Me: amith.shivantha@conxillium.com | 06-09-2019</a:t>
             </a:r>
-            <a:endParaRPr lang="en-US" dirty="0"/>
           </a:p>
         </p:txBody>
       </p:sp>
@@ -6723,13 +6584,6 @@
   <p:clrMapOvr>
     <a:masterClrMapping/>
   </p:clrMapOvr>
-  <p:timing>
-    <p:tnLst>
-      <p:par>
-        <p:cTn id="1" dur="indefinite" restart="never" nodeType="tmRoot"/>
-      </p:par>
-    </p:tnLst>
-  </p:timing>
 </p:sld>
 </file>
 
@@ -6771,16 +6625,12 @@
           <a:lstStyle/>
           <a:p>
             <a:r>
-              <a:rPr lang="en-US" sz="2800" b="1" dirty="0" smtClean="0">
+              <a:rPr lang="en-US" sz="2800" b="1" dirty="0">
                 <a:latin typeface="Segoe UI Emoji" panose="020B0502040204020203" pitchFamily="34" charset="0"/>
                 <a:ea typeface="Segoe UI Emoji" panose="020B0502040204020203" pitchFamily="34" charset="0"/>
               </a:rPr>
               <a:t>Node Module System</a:t>
             </a:r>
-            <a:endParaRPr lang="en-US" sz="2800" b="1" dirty="0">
-              <a:latin typeface="Segoe UI Emoji" panose="020B0502040204020203" pitchFamily="34" charset="0"/>
-              <a:ea typeface="Segoe UI Emoji" panose="020B0502040204020203" pitchFamily="34" charset="0"/>
-            </a:endParaRPr>
           </a:p>
         </p:txBody>
       </p:sp>
@@ -6818,38 +6668,31 @@
                 <a:latin typeface="Microsoft YaHei" panose="020B0503020204020204" pitchFamily="34" charset="-122"/>
                 <a:ea typeface="Microsoft YaHei" panose="020B0503020204020204" pitchFamily="34" charset="-122"/>
               </a:rPr>
-              <a:t>Node </a:t>
-            </a:r>
-            <a:r>
-              <a:rPr lang="en-US" sz="1400" dirty="0" smtClean="0">
-                <a:latin typeface="Microsoft YaHei" panose="020B0503020204020204" pitchFamily="34" charset="-122"/>
-                <a:ea typeface="Microsoft YaHei" panose="020B0503020204020204" pitchFamily="34" charset="-122"/>
-              </a:rPr>
-              <a:t>has a </a:t>
-            </a:r>
-            <a:r>
-              <a:rPr lang="en-US" sz="1400" b="1" dirty="0" smtClean="0">
+              <a:t>Node has a </a:t>
+            </a:r>
+            <a:r>
+              <a:rPr lang="en-US" sz="1400" b="1" dirty="0">
                 <a:latin typeface="Microsoft YaHei" panose="020B0503020204020204" pitchFamily="34" charset="-122"/>
                 <a:ea typeface="Microsoft YaHei" panose="020B0503020204020204" pitchFamily="34" charset="-122"/>
               </a:rPr>
               <a:t>global </a:t>
             </a:r>
             <a:r>
-              <a:rPr lang="en-US" sz="1400" dirty="0" smtClean="0">
+              <a:rPr lang="en-US" sz="1400" dirty="0">
                 <a:latin typeface="Microsoft YaHei" panose="020B0503020204020204" pitchFamily="34" charset="-122"/>
                 <a:ea typeface="Microsoft YaHei" panose="020B0503020204020204" pitchFamily="34" charset="-122"/>
               </a:rPr>
               <a:t>object, same as </a:t>
             </a:r>
             <a:r>
-              <a:rPr lang="en-US" sz="1400" b="1" dirty="0" smtClean="0">
+              <a:rPr lang="en-US" sz="1400" b="1" dirty="0">
                 <a:latin typeface="Microsoft YaHei" panose="020B0503020204020204" pitchFamily="34" charset="-122"/>
                 <a:ea typeface="Microsoft YaHei" panose="020B0503020204020204" pitchFamily="34" charset="-122"/>
               </a:rPr>
               <a:t>window </a:t>
             </a:r>
             <a:r>
-              <a:rPr lang="en-US" sz="1400" dirty="0" smtClean="0">
+              <a:rPr lang="en-US" sz="1400" dirty="0">
                 <a:latin typeface="Microsoft YaHei" panose="020B0503020204020204" pitchFamily="34" charset="-122"/>
                 <a:ea typeface="Microsoft YaHei" panose="020B0503020204020204" pitchFamily="34" charset="-122"/>
               </a:rPr>
@@ -6865,7 +6708,7 @@
               <a:buChar char="q"/>
             </a:pPr>
             <a:r>
-              <a:rPr lang="en-US" sz="1400" dirty="0" smtClean="0">
+              <a:rPr lang="en-US" sz="1400" dirty="0">
                 <a:latin typeface="Microsoft YaHei" panose="020B0503020204020204" pitchFamily="34" charset="-122"/>
                 <a:ea typeface="Microsoft YaHei" panose="020B0503020204020204" pitchFamily="34" charset="-122"/>
               </a:rPr>
@@ -6890,10 +6733,9 @@
           <a:lstStyle/>
           <a:p>
             <a:r>
-              <a:rPr lang="en-US" dirty="0" smtClean="0"/>
+              <a:rPr lang="en-US" dirty="0"/>
               <a:t>Me: amith.shivantha@conxillium.com | 06-09-2019</a:t>
             </a:r>
-            <a:endParaRPr lang="en-US" dirty="0"/>
           </a:p>
         </p:txBody>
       </p:sp>
@@ -6952,13 +6794,6 @@
   <p:clrMapOvr>
     <a:masterClrMapping/>
   </p:clrMapOvr>
-  <p:timing>
-    <p:tnLst>
-      <p:par>
-        <p:cTn id="1" dur="indefinite" restart="never" nodeType="tmRoot"/>
-      </p:par>
-    </p:tnLst>
-  </p:timing>
 </p:sld>
 </file>
 
@@ -7000,16 +6835,12 @@
           <a:lstStyle/>
           <a:p>
             <a:r>
-              <a:rPr lang="en-US" sz="2800" b="1" dirty="0" smtClean="0">
+              <a:rPr lang="en-US" sz="2800" b="1" dirty="0">
                 <a:latin typeface="Segoe UI Emoji" panose="020B0502040204020203" pitchFamily="34" charset="0"/>
                 <a:ea typeface="Segoe UI Emoji" panose="020B0502040204020203" pitchFamily="34" charset="0"/>
               </a:rPr>
               <a:t>Node Core useful modules  { Coding…  }</a:t>
             </a:r>
-            <a:endParaRPr lang="en-US" sz="2800" b="1" dirty="0">
-              <a:latin typeface="Segoe UI Emoji" panose="020B0502040204020203" pitchFamily="34" charset="0"/>
-              <a:ea typeface="Segoe UI Emoji" panose="020B0502040204020203" pitchFamily="34" charset="0"/>
-            </a:endParaRPr>
           </a:p>
         </p:txBody>
       </p:sp>
@@ -7043,7 +6874,7 @@
               <a:buChar char="q"/>
             </a:pPr>
             <a:r>
-              <a:rPr lang="en-US" sz="1400" dirty="0" smtClean="0">
+              <a:rPr lang="en-US" sz="1400" dirty="0">
                 <a:latin typeface="Microsoft YaHei" panose="020B0503020204020204" pitchFamily="34" charset="-122"/>
                 <a:ea typeface="Microsoft YaHei" panose="020B0503020204020204" pitchFamily="34" charset="-122"/>
               </a:rPr>
@@ -7053,15 +6884,9 @@
               <a:rPr lang="en-US" sz="1400" dirty="0">
                 <a:hlinkClick r:id="rId3"/>
               </a:rPr>
-              <a:t>https://nodejs.org/en/download</a:t>
-            </a:r>
-            <a:r>
-              <a:rPr lang="en-US" sz="1400" dirty="0" smtClean="0">
-                <a:hlinkClick r:id="rId3"/>
-              </a:rPr>
-              <a:t>/</a:t>
-            </a:r>
-            <a:endParaRPr lang="en-US" sz="1400" dirty="0" smtClean="0"/>
+              <a:t>https://nodejs.org/en/download/</a:t>
+            </a:r>
+            <a:endParaRPr lang="en-US" sz="1400" dirty="0"/>
           </a:p>
           <a:p>
             <a:pPr>
@@ -7072,19 +6897,19 @@
               <a:buChar char="q"/>
             </a:pPr>
             <a:r>
-              <a:rPr lang="en-US" sz="1400" dirty="0" smtClean="0">
+              <a:rPr lang="en-US" sz="1400" dirty="0">
                 <a:latin typeface="Microsoft YaHei" panose="020B0503020204020204" pitchFamily="34" charset="-122"/>
                 <a:ea typeface="Microsoft YaHei" panose="020B0503020204020204" pitchFamily="34" charset="-122"/>
               </a:rPr>
               <a:t>Check </a:t>
             </a:r>
             <a:r>
-              <a:rPr lang="en-US" sz="1400" dirty="0" smtClean="0">
+              <a:rPr lang="en-US" sz="1400" dirty="0">
                 <a:latin typeface="Microsoft YaHei" panose="020B0503020204020204" pitchFamily="34" charset="-122"/>
                 <a:ea typeface="Microsoft YaHei" panose="020B0503020204020204" pitchFamily="34" charset="-122"/>
                 <a:sym typeface="Wingdings" panose="05000000000000000000" pitchFamily="2" charset="2"/>
               </a:rPr>
-              <a:t>  &gt;&gt;node –version</a:t>
+              <a:t>  &gt;&gt;node --version</a:t>
             </a:r>
           </a:p>
           <a:p>
@@ -7096,7 +6921,7 @@
               <a:buChar char="q"/>
             </a:pPr>
             <a:r>
-              <a:rPr lang="en-US" sz="1400" dirty="0" smtClean="0">
+              <a:rPr lang="en-US" sz="1400" dirty="0">
                 <a:latin typeface="Microsoft YaHei" panose="020B0503020204020204" pitchFamily="34" charset="-122"/>
                 <a:ea typeface="Microsoft YaHei" panose="020B0503020204020204" pitchFamily="34" charset="-122"/>
                 <a:sym typeface="Wingdings" panose="05000000000000000000" pitchFamily="2" charset="2"/>
@@ -7117,18 +6942,10 @@
                 <a:ea typeface="Microsoft YaHei" panose="020B0503020204020204" pitchFamily="34" charset="-122"/>
                 <a:sym typeface="Wingdings" panose="05000000000000000000" pitchFamily="2" charset="2"/>
               </a:rPr>
-              <a:t>	</a:t>
-            </a:r>
-            <a:r>
-              <a:rPr lang="en-US" sz="1400" dirty="0" smtClean="0">
-                <a:latin typeface="Microsoft YaHei" panose="020B0503020204020204" pitchFamily="34" charset="-122"/>
-                <a:ea typeface="Microsoft YaHei" panose="020B0503020204020204" pitchFamily="34" charset="-122"/>
-                <a:sym typeface="Wingdings" panose="05000000000000000000" pitchFamily="2" charset="2"/>
-              </a:rPr>
-              <a:t>try out several core modules… [ </a:t>
-            </a:r>
-            <a:r>
-              <a:rPr lang="en-US" sz="1400" dirty="0" err="1" smtClean="0">
+              <a:t>	try out several core modules… [ </a:t>
+            </a:r>
+            <a:r>
+              <a:rPr lang="en-US" sz="1400" dirty="0" err="1">
                 <a:latin typeface="Microsoft YaHei" panose="020B0503020204020204" pitchFamily="34" charset="-122"/>
                 <a:ea typeface="Microsoft YaHei" panose="020B0503020204020204" pitchFamily="34" charset="-122"/>
                 <a:sym typeface="Wingdings" panose="05000000000000000000" pitchFamily="2" charset="2"/>
@@ -7136,7 +6953,7 @@
               <a:t>os</a:t>
             </a:r>
             <a:r>
-              <a:rPr lang="en-US" sz="1400" dirty="0" smtClean="0">
+              <a:rPr lang="en-US" sz="1400" dirty="0">
                 <a:latin typeface="Microsoft YaHei" panose="020B0503020204020204" pitchFamily="34" charset="-122"/>
                 <a:ea typeface="Microsoft YaHei" panose="020B0503020204020204" pitchFamily="34" charset="-122"/>
                 <a:sym typeface="Wingdings" panose="05000000000000000000" pitchFamily="2" charset="2"/>
@@ -7160,18 +6977,12 @@
               <a:t>	</a:t>
             </a:r>
             <a:r>
-              <a:rPr lang="en-US" sz="1400" dirty="0" smtClean="0">
-                <a:hlinkClick r:id="rId4"/>
-              </a:rPr>
-              <a:t>https</a:t>
-            </a:r>
-            <a:r>
               <a:rPr lang="en-US" sz="1400" dirty="0">
                 <a:hlinkClick r:id="rId4"/>
               </a:rPr>
-              <a:t>://nodejs.org/docs/latest-v9.x/api/os.html</a:t>
-            </a:r>
-            <a:endParaRPr lang="en-US" sz="1400" dirty="0" smtClean="0">
+              <a:t>https://nodejs.org/docs/latest-v9.x/api/os.html</a:t>
+            </a:r>
+            <a:endParaRPr lang="en-US" sz="1400" dirty="0">
               <a:latin typeface="Microsoft YaHei" panose="020B0503020204020204" pitchFamily="34" charset="-122"/>
               <a:ea typeface="Microsoft YaHei" panose="020B0503020204020204" pitchFamily="34" charset="-122"/>
             </a:endParaRPr>
@@ -7194,10 +7005,9 @@
           <a:lstStyle/>
           <a:p>
             <a:r>
-              <a:rPr lang="en-US" dirty="0" smtClean="0"/>
+              <a:rPr lang="en-US" dirty="0"/>
               <a:t>Me: amith.shivantha@conxillium.com | 06-09-2019</a:t>
             </a:r>
-            <a:endParaRPr lang="en-US" dirty="0"/>
           </a:p>
         </p:txBody>
       </p:sp>
@@ -7234,13 +7044,6 @@
   <p:clrMapOvr>
     <a:masterClrMapping/>
   </p:clrMapOvr>
-  <p:timing>
-    <p:tnLst>
-      <p:par>
-        <p:cTn id="1" dur="indefinite" restart="never" nodeType="tmRoot"/>
-      </p:par>
-    </p:tnLst>
-  </p:timing>
 </p:sld>
 </file>
 
@@ -7282,16 +7085,12 @@
           <a:lstStyle/>
           <a:p>
             <a:r>
-              <a:rPr lang="en-US" sz="2800" b="1" dirty="0" smtClean="0">
+              <a:rPr lang="en-US" sz="2800" b="1" dirty="0">
                 <a:latin typeface="Segoe UI Emoji" panose="020B0502040204020203" pitchFamily="34" charset="0"/>
                 <a:ea typeface="Segoe UI Emoji" panose="020B0502040204020203" pitchFamily="34" charset="0"/>
               </a:rPr>
               <a:t>Node Package Manager ( NPM )</a:t>
             </a:r>
-            <a:endParaRPr lang="en-US" sz="2800" b="1" dirty="0">
-              <a:latin typeface="Segoe UI Emoji" panose="020B0502040204020203" pitchFamily="34" charset="0"/>
-              <a:ea typeface="Segoe UI Emoji" panose="020B0502040204020203" pitchFamily="34" charset="0"/>
-            </a:endParaRPr>
           </a:p>
         </p:txBody>
       </p:sp>
@@ -7325,21 +7124,21 @@
               <a:buChar char="q"/>
             </a:pPr>
             <a:r>
-              <a:rPr lang="en-US" sz="1400" dirty="0" smtClean="0">
+              <a:rPr lang="en-US" sz="1400" dirty="0">
                 <a:latin typeface="Microsoft YaHei" panose="020B0503020204020204" pitchFamily="34" charset="-122"/>
                 <a:ea typeface="Microsoft YaHei" panose="020B0503020204020204" pitchFamily="34" charset="-122"/>
               </a:rPr>
               <a:t>Installed with node, check &gt;&gt;</a:t>
             </a:r>
             <a:r>
-              <a:rPr lang="en-US" sz="1400" dirty="0" err="1" smtClean="0">
+              <a:rPr lang="en-US" sz="1400" dirty="0" err="1">
                 <a:latin typeface="Microsoft YaHei" panose="020B0503020204020204" pitchFamily="34" charset="-122"/>
                 <a:ea typeface="Microsoft YaHei" panose="020B0503020204020204" pitchFamily="34" charset="-122"/>
               </a:rPr>
               <a:t>npm</a:t>
             </a:r>
             <a:r>
-              <a:rPr lang="en-US" sz="1400" dirty="0" smtClean="0">
+              <a:rPr lang="en-US" sz="1400" dirty="0">
                 <a:latin typeface="Microsoft YaHei" panose="020B0503020204020204" pitchFamily="34" charset="-122"/>
                 <a:ea typeface="Microsoft YaHei" panose="020B0503020204020204" pitchFamily="34" charset="-122"/>
               </a:rPr>
@@ -7366,7 +7165,7 @@
               </a:rPr>
               <a:t>https://www.npmjs.com/</a:t>
             </a:r>
-            <a:endParaRPr lang="en-US" sz="1400" dirty="0" smtClean="0">
+            <a:endParaRPr lang="en-US" sz="1400" dirty="0">
               <a:latin typeface="Microsoft YaHei" panose="020B0503020204020204" pitchFamily="34" charset="-122"/>
               <a:ea typeface="Microsoft YaHei" panose="020B0503020204020204" pitchFamily="34" charset="-122"/>
             </a:endParaRPr>
@@ -7391,14 +7190,7 @@
                 <a:latin typeface="Microsoft YaHei" panose="020B0503020204020204" pitchFamily="34" charset="-122"/>
                 <a:ea typeface="Microsoft YaHei" panose="020B0503020204020204" pitchFamily="34" charset="-122"/>
               </a:rPr>
-              <a:t> is a package manager for Node.js </a:t>
-            </a:r>
-            <a:r>
-              <a:rPr lang="en-US" sz="1400" dirty="0" smtClean="0">
-                <a:latin typeface="Microsoft YaHei" panose="020B0503020204020204" pitchFamily="34" charset="-122"/>
-                <a:ea typeface="Microsoft YaHei" panose="020B0503020204020204" pitchFamily="34" charset="-122"/>
-              </a:rPr>
-              <a:t>packages, </a:t>
+              <a:t> is a package manager for Node.js packages, </a:t>
             </a:r>
             <a:r>
               <a:rPr lang="en-US" sz="1400" b="1" dirty="0" err="1"/>
@@ -7406,11 +7198,7 @@
             </a:r>
             <a:r>
               <a:rPr lang="en-US" sz="1400" dirty="0"/>
-              <a:t> is the world's largest Software Registry. The registry contains over 800,000 code </a:t>
-            </a:r>
-            <a:r>
-              <a:rPr lang="en-US" sz="1400" dirty="0" smtClean="0"/>
-              <a:t>packages.</a:t>
+              <a:t> is the world's largest Software Registry. The registry contains over 800,000 code packages.</a:t>
             </a:r>
           </a:p>
           <a:p>
@@ -7420,7 +7208,7 @@
               </a:lnSpc>
               <a:buNone/>
             </a:pPr>
-            <a:endParaRPr lang="en-US" sz="1400" dirty="0" smtClean="0">
+            <a:endParaRPr lang="en-US" sz="1400" dirty="0">
               <a:latin typeface="Microsoft YaHei" panose="020B0503020204020204" pitchFamily="34" charset="-122"/>
               <a:ea typeface="Microsoft YaHei" panose="020B0503020204020204" pitchFamily="34" charset="-122"/>
             </a:endParaRPr>
@@ -7434,67 +7222,53 @@
               <a:buChar char="q"/>
             </a:pPr>
             <a:r>
-              <a:rPr lang="en-US" sz="1400" dirty="0" smtClean="0">
+              <a:rPr lang="en-US" sz="1400" dirty="0">
                 <a:latin typeface="Microsoft YaHei" panose="020B0503020204020204" pitchFamily="34" charset="-122"/>
                 <a:ea typeface="Microsoft YaHei" panose="020B0503020204020204" pitchFamily="34" charset="-122"/>
               </a:rPr>
-              <a:t>Create </a:t>
-            </a:r>
-            <a:r>
-              <a:rPr lang="en-US" sz="1400" dirty="0" smtClean="0">
-                <a:latin typeface="Microsoft YaHei" panose="020B0503020204020204" pitchFamily="34" charset="-122"/>
-                <a:ea typeface="Microsoft YaHei" panose="020B0503020204020204" pitchFamily="34" charset="-122"/>
-              </a:rPr>
-              <a:t>a new Project with </a:t>
-            </a:r>
-            <a:r>
-              <a:rPr lang="en-US" sz="1400" dirty="0" err="1" smtClean="0">
+              <a:t>Create a new Project with </a:t>
+            </a:r>
+            <a:r>
+              <a:rPr lang="en-US" sz="1400" dirty="0" err="1">
                 <a:latin typeface="Microsoft YaHei" panose="020B0503020204020204" pitchFamily="34" charset="-122"/>
                 <a:ea typeface="Microsoft YaHei" panose="020B0503020204020204" pitchFamily="34" charset="-122"/>
               </a:rPr>
               <a:t>npm</a:t>
             </a:r>
             <a:r>
-              <a:rPr lang="en-US" sz="1400" dirty="0" smtClean="0">
+              <a:rPr lang="en-US" sz="1400" dirty="0">
                 <a:latin typeface="Microsoft YaHei" panose="020B0503020204020204" pitchFamily="34" charset="-122"/>
                 <a:ea typeface="Microsoft YaHei" panose="020B0503020204020204" pitchFamily="34" charset="-122"/>
               </a:rPr>
               <a:t>.. &gt;&gt;</a:t>
             </a:r>
             <a:r>
-              <a:rPr lang="en-US" sz="1400" dirty="0" err="1" smtClean="0">
+              <a:rPr lang="en-US" sz="1400" dirty="0" err="1">
                 <a:latin typeface="Microsoft YaHei" panose="020B0503020204020204" pitchFamily="34" charset="-122"/>
                 <a:ea typeface="Microsoft YaHei" panose="020B0503020204020204" pitchFamily="34" charset="-122"/>
               </a:rPr>
               <a:t>npm</a:t>
             </a:r>
             <a:r>
-              <a:rPr lang="en-US" sz="1400" dirty="0" smtClean="0">
+              <a:rPr lang="en-US" sz="1400" dirty="0">
                 <a:latin typeface="Microsoft YaHei" panose="020B0503020204020204" pitchFamily="34" charset="-122"/>
                 <a:ea typeface="Microsoft YaHei" panose="020B0503020204020204" pitchFamily="34" charset="-122"/>
               </a:rPr>
               <a:t> </a:t>
             </a:r>
             <a:r>
-              <a:rPr lang="en-US" sz="1400" dirty="0" err="1" smtClean="0">
+              <a:rPr lang="en-US" sz="1400" dirty="0" err="1">
                 <a:latin typeface="Microsoft YaHei" panose="020B0503020204020204" pitchFamily="34" charset="-122"/>
                 <a:ea typeface="Microsoft YaHei" panose="020B0503020204020204" pitchFamily="34" charset="-122"/>
               </a:rPr>
               <a:t>init</a:t>
             </a:r>
             <a:r>
-              <a:rPr lang="en-US" sz="1400" dirty="0" smtClean="0">
+              <a:rPr lang="en-US" sz="1400" dirty="0">
                 <a:latin typeface="Microsoft YaHei" panose="020B0503020204020204" pitchFamily="34" charset="-122"/>
                 <a:ea typeface="Microsoft YaHei" panose="020B0503020204020204" pitchFamily="34" charset="-122"/>
               </a:rPr>
-              <a:t> –</a:t>
-            </a:r>
-            <a:r>
-              <a:rPr lang="en-US" sz="1400" dirty="0" smtClean="0">
-                <a:latin typeface="Microsoft YaHei" panose="020B0503020204020204" pitchFamily="34" charset="-122"/>
-                <a:ea typeface="Microsoft YaHei" panose="020B0503020204020204" pitchFamily="34" charset="-122"/>
-              </a:rPr>
-              <a:t>yes</a:t>
+              <a:t> –yes</a:t>
             </a:r>
           </a:p>
           <a:p>
@@ -7506,16 +7280,12 @@
               <a:buChar char="q"/>
             </a:pPr>
             <a:r>
-              <a:rPr lang="en-US" sz="1400" dirty="0" smtClean="0">
+              <a:rPr lang="en-US" sz="1400" dirty="0">
                 <a:latin typeface="Microsoft YaHei" panose="020B0503020204020204" pitchFamily="34" charset="-122"/>
                 <a:ea typeface="Microsoft YaHei" panose="020B0503020204020204" pitchFamily="34" charset="-122"/>
               </a:rPr>
               <a:t>Install a package and use it (Coding..)</a:t>
             </a:r>
-            <a:endParaRPr lang="en-US" sz="1400" dirty="0" smtClean="0">
-              <a:latin typeface="Microsoft YaHei" panose="020B0503020204020204" pitchFamily="34" charset="-122"/>
-              <a:ea typeface="Microsoft YaHei" panose="020B0503020204020204" pitchFamily="34" charset="-122"/>
-            </a:endParaRPr>
           </a:p>
         </p:txBody>
       </p:sp>
@@ -7535,10 +7305,9 @@
           <a:lstStyle/>
           <a:p>
             <a:r>
-              <a:rPr lang="en-US" dirty="0" smtClean="0"/>
+              <a:rPr lang="en-US" dirty="0"/>
               <a:t>Me: amith.shivantha@conxillium.com | 06-09-2019</a:t>
             </a:r>
-            <a:endParaRPr lang="en-US" dirty="0"/>
           </a:p>
         </p:txBody>
       </p:sp>
@@ -7629,13 +7398,6 @@
   <p:clrMapOvr>
     <a:masterClrMapping/>
   </p:clrMapOvr>
-  <p:timing>
-    <p:tnLst>
-      <p:par>
-        <p:cTn id="1" dur="indefinite" restart="never" nodeType="tmRoot"/>
-      </p:par>
-    </p:tnLst>
-  </p:timing>
 </p:sld>
 </file>
 
@@ -7677,7 +7439,7 @@
           <a:lstStyle/>
           <a:p>
             <a:r>
-              <a:rPr lang="en-US" sz="2800" b="1" dirty="0" err="1" smtClean="0">
+              <a:rPr lang="en-US" sz="2800" b="1" dirty="0" err="1">
                 <a:latin typeface="Segoe UI Emoji" panose="020B0502040204020203" pitchFamily="34" charset="0"/>
                 <a:ea typeface="Segoe UI Emoji" panose="020B0502040204020203" pitchFamily="34" charset="0"/>
               </a:rPr>
@@ -7720,13 +7482,13 @@
               <a:buChar char="q"/>
             </a:pPr>
             <a:r>
-              <a:rPr lang="en-US" sz="1400" dirty="0" err="1" smtClean="0">
+              <a:rPr lang="en-US" sz="1400" dirty="0" err="1">
                 <a:latin typeface="Microsoft YaHei" panose="020B0503020204020204" pitchFamily="34" charset="-122"/>
                 <a:ea typeface="Microsoft YaHei" panose="020B0503020204020204" pitchFamily="34" charset="-122"/>
               </a:rPr>
               <a:t>Dependancies</a:t>
             </a:r>
-            <a:endParaRPr lang="en-US" sz="1400" dirty="0" smtClean="0">
+            <a:endParaRPr lang="en-US" sz="1400" dirty="0">
               <a:latin typeface="Microsoft YaHei" panose="020B0503020204020204" pitchFamily="34" charset="-122"/>
               <a:ea typeface="Microsoft YaHei" panose="020B0503020204020204" pitchFamily="34" charset="-122"/>
             </a:endParaRPr>
@@ -7740,20 +7502,20 @@
               <a:buChar char="q"/>
             </a:pPr>
             <a:r>
-              <a:rPr lang="en-US" sz="1400" dirty="0" smtClean="0">
+              <a:rPr lang="en-US" sz="1400" dirty="0">
                 <a:latin typeface="Microsoft YaHei" panose="020B0503020204020204" pitchFamily="34" charset="-122"/>
                 <a:ea typeface="Microsoft YaHei" panose="020B0503020204020204" pitchFamily="34" charset="-122"/>
               </a:rPr>
               <a:t>Dev-</a:t>
             </a:r>
             <a:r>
-              <a:rPr lang="en-US" sz="1400" dirty="0" err="1" smtClean="0">
+              <a:rPr lang="en-US" sz="1400" dirty="0" err="1">
                 <a:latin typeface="Microsoft YaHei" panose="020B0503020204020204" pitchFamily="34" charset="-122"/>
                 <a:ea typeface="Microsoft YaHei" panose="020B0503020204020204" pitchFamily="34" charset="-122"/>
               </a:rPr>
               <a:t>Dependancies</a:t>
             </a:r>
-            <a:endParaRPr lang="en-US" sz="1400" dirty="0" smtClean="0">
+            <a:endParaRPr lang="en-US" sz="1400" dirty="0">
               <a:latin typeface="Microsoft YaHei" panose="020B0503020204020204" pitchFamily="34" charset="-122"/>
               <a:ea typeface="Microsoft YaHei" panose="020B0503020204020204" pitchFamily="34" charset="-122"/>
             </a:endParaRPr>
@@ -7767,7 +7529,7 @@
               <a:buChar char="q"/>
             </a:pPr>
             <a:r>
-              <a:rPr lang="en-US" sz="1400" dirty="0" smtClean="0">
+              <a:rPr lang="en-US" sz="1400" dirty="0">
                 <a:latin typeface="Microsoft YaHei" panose="020B0503020204020204" pitchFamily="34" charset="-122"/>
                 <a:ea typeface="Microsoft YaHei" panose="020B0503020204020204" pitchFamily="34" charset="-122"/>
               </a:rPr>
@@ -7783,20 +7545,20 @@
               <a:buChar char="q"/>
             </a:pPr>
             <a:r>
-              <a:rPr lang="en-US" sz="1400" dirty="0" smtClean="0">
+              <a:rPr lang="en-US" sz="1400" dirty="0">
                 <a:latin typeface="Microsoft YaHei" panose="020B0503020204020204" pitchFamily="34" charset="-122"/>
                 <a:ea typeface="Microsoft YaHei" panose="020B0503020204020204" pitchFamily="34" charset="-122"/>
               </a:rPr>
               <a:t>Semantic </a:t>
             </a:r>
             <a:r>
-              <a:rPr lang="en-US" sz="1400" dirty="0" err="1" smtClean="0">
+              <a:rPr lang="en-US" sz="1400" dirty="0" err="1">
                 <a:latin typeface="Microsoft YaHei" panose="020B0503020204020204" pitchFamily="34" charset="-122"/>
                 <a:ea typeface="Microsoft YaHei" panose="020B0503020204020204" pitchFamily="34" charset="-122"/>
               </a:rPr>
               <a:t>Versioining</a:t>
             </a:r>
-            <a:endParaRPr lang="en-US" sz="1400" dirty="0" smtClean="0"/>
+            <a:endParaRPr lang="en-US" sz="1400" dirty="0"/>
           </a:p>
         </p:txBody>
       </p:sp>
@@ -7816,10 +7578,9 @@
           <a:lstStyle/>
           <a:p>
             <a:r>
-              <a:rPr lang="en-US" dirty="0" smtClean="0"/>
+              <a:rPr lang="en-US" dirty="0"/>
               <a:t>Me: amith.shivantha@conxillium.com | 06-09-2019</a:t>
             </a:r>
-            <a:endParaRPr lang="en-US" dirty="0"/>
           </a:p>
         </p:txBody>
       </p:sp>
@@ -7910,13 +7671,6 @@
   <p:clrMapOvr>
     <a:masterClrMapping/>
   </p:clrMapOvr>
-  <p:timing>
-    <p:tnLst>
-      <p:par>
-        <p:cTn id="1" dur="indefinite" restart="never" nodeType="tmRoot"/>
-      </p:par>
-    </p:tnLst>
-  </p:timing>
 </p:sld>
 </file>
 
@@ -7958,16 +7712,12 @@
           <a:lstStyle/>
           <a:p>
             <a:r>
-              <a:rPr lang="en-US" sz="2800" b="1" dirty="0" smtClean="0">
+              <a:rPr lang="en-US" sz="2800" b="1" dirty="0">
                 <a:latin typeface="Segoe UI Emoji" panose="020B0502040204020203" pitchFamily="34" charset="0"/>
                 <a:ea typeface="Segoe UI Emoji" panose="020B0502040204020203" pitchFamily="34" charset="0"/>
               </a:rPr>
               <a:t>RESTful API’s using Express.js</a:t>
             </a:r>
-            <a:endParaRPr lang="en-US" sz="2800" b="1" dirty="0">
-              <a:latin typeface="Segoe UI Emoji" panose="020B0502040204020203" pitchFamily="34" charset="0"/>
-              <a:ea typeface="Segoe UI Emoji" panose="020B0502040204020203" pitchFamily="34" charset="0"/>
-            </a:endParaRPr>
           </a:p>
         </p:txBody>
       </p:sp>
@@ -8001,21 +7751,21 @@
               <a:buChar char="q"/>
             </a:pPr>
             <a:r>
-              <a:rPr lang="en-US" sz="1400" dirty="0" smtClean="0">
+              <a:rPr lang="en-US" sz="1400" dirty="0">
                 <a:latin typeface="Microsoft YaHei" panose="020B0503020204020204" pitchFamily="34" charset="-122"/>
                 <a:ea typeface="Microsoft YaHei" panose="020B0503020204020204" pitchFamily="34" charset="-122"/>
               </a:rPr>
               <a:t>Install express &gt;&gt; </a:t>
             </a:r>
             <a:r>
-              <a:rPr lang="en-US" sz="1400" dirty="0" err="1" smtClean="0">
+              <a:rPr lang="en-US" sz="1400" dirty="0" err="1">
                 <a:latin typeface="Microsoft YaHei" panose="020B0503020204020204" pitchFamily="34" charset="-122"/>
                 <a:ea typeface="Microsoft YaHei" panose="020B0503020204020204" pitchFamily="34" charset="-122"/>
               </a:rPr>
               <a:t>npm</a:t>
             </a:r>
             <a:r>
-              <a:rPr lang="en-US" sz="1400" dirty="0" smtClean="0">
+              <a:rPr lang="en-US" sz="1400" dirty="0">
                 <a:latin typeface="Microsoft YaHei" panose="020B0503020204020204" pitchFamily="34" charset="-122"/>
                 <a:ea typeface="Microsoft YaHei" panose="020B0503020204020204" pitchFamily="34" charset="-122"/>
               </a:rPr>
@@ -8023,13 +7773,9 @@
             </a:r>
             <a:r>
               <a:rPr lang="en-US" sz="1400" dirty="0"/>
-              <a:t> </a:t>
-            </a:r>
-            <a:r>
-              <a:rPr lang="en-US" sz="1400" dirty="0" smtClean="0"/>
-              <a:t>(Coding…)</a:t>
-            </a:r>
-            <a:endParaRPr lang="en-US" sz="1400" dirty="0" smtClean="0">
+              <a:t> (Coding…)</a:t>
+            </a:r>
+            <a:endParaRPr lang="en-US" sz="1400" dirty="0">
               <a:latin typeface="Microsoft YaHei" panose="020B0503020204020204" pitchFamily="34" charset="-122"/>
               <a:ea typeface="Microsoft YaHei" panose="020B0503020204020204" pitchFamily="34" charset="-122"/>
             </a:endParaRPr>
@@ -8052,10 +7798,9 @@
           <a:lstStyle/>
           <a:p>
             <a:r>
-              <a:rPr lang="en-US" dirty="0" smtClean="0"/>
+              <a:rPr lang="en-US" dirty="0"/>
               <a:t>Me: amith.shivantha@conxillium.com | 06-09-2019</a:t>
             </a:r>
-            <a:endParaRPr lang="en-US" dirty="0"/>
           </a:p>
         </p:txBody>
       </p:sp>
@@ -8114,13 +7859,6 @@
   <p:clrMapOvr>
     <a:masterClrMapping/>
   </p:clrMapOvr>
-  <p:timing>
-    <p:tnLst>
-      <p:par>
-        <p:cTn id="1" dur="indefinite" restart="never" nodeType="tmRoot"/>
-      </p:par>
-    </p:tnLst>
-  </p:timing>
 </p:sld>
 </file>
 
@@ -8360,7 +8098,7 @@
   <a:extraClrSchemeLst/>
   <a:extLst>
     <a:ext uri="{05A4C25C-085E-4340-85A3-A5531E510DB2}">
-      <thm15:themeFamily xmlns:thm15="http://schemas.microsoft.com/office/thememl/2012/main" xmlns="" name="PPT template Conxillium 16-9.potx" id="{6DB8362A-A2CB-46FE-B64D-A9B0743465BB}" vid="{998AC561-E5DF-4704-9953-4213F0494DC5}"/>
+      <thm15:themeFamily xmlns:thm15="http://schemas.microsoft.com/office/thememl/2012/main" name="PPT template Conxillium 16-9.potx" id="{6DB8362A-A2CB-46FE-B64D-A9B0743465BB}" vid="{998AC561-E5DF-4704-9953-4213F0494DC5}"/>
     </a:ext>
   </a:extLst>
 </a:theme>
@@ -8655,7 +8393,7 @@
   <a:extraClrSchemeLst/>
   <a:extLst>
     <a:ext uri="{05A4C25C-085E-4340-85A3-A5531E510DB2}">
-      <thm15:themeFamily xmlns:thm15="http://schemas.microsoft.com/office/thememl/2012/main" xmlns="" name="Office Theme" id="{62F939B6-93AF-4DB8-9C6B-D6C7DFDC589F}" vid="{4A3C46E8-61CC-4603-A589-7422A47A8E4A}"/>
+      <thm15:themeFamily xmlns:thm15="http://schemas.microsoft.com/office/thememl/2012/main" name="Office Theme" id="{62F939B6-93AF-4DB8-9C6B-D6C7DFDC589F}" vid="{4A3C46E8-61CC-4603-A589-7422A47A8E4A}"/>
     </a:ext>
   </a:extLst>
 </a:theme>
@@ -8856,7 +8594,7 @@
   <a:extraClrSchemeLst/>
   <a:extLst>
     <a:ext uri="{05A4C25C-085E-4340-85A3-A5531E510DB2}">
-      <thm15:themeFamily xmlns:thm15="http://schemas.microsoft.com/office/thememl/2012/main" xmlns="" name="Office Theme" id="{62F939B6-93AF-4DB8-9C6B-D6C7DFDC589F}" vid="{4A3C46E8-61CC-4603-A589-7422A47A8E4A}"/>
+      <thm15:themeFamily xmlns:thm15="http://schemas.microsoft.com/office/thememl/2012/main" name="Office Theme" id="{62F939B6-93AF-4DB8-9C6B-D6C7DFDC589F}" vid="{4A3C46E8-61CC-4603-A589-7422A47A8E4A}"/>
     </a:ext>
   </a:extLst>
 </a:theme>
